--- a/ppt 16-9/1476.耶稣至宝.pptx
+++ b/ppt 16-9/1476.耶稣至宝.pptx
@@ -129,7 +129,7 @@
           <p:cNvPr id="2" name="标题 1">
             <a:extLst>
               <a:ext uri="{FF2B5EF4-FFF2-40B4-BE49-F238E27FC236}">
-                <a16:creationId xmlns:a16="http://schemas.microsoft.com/office/drawing/2014/main" id="{CF1CA7A0-EC58-8342-3175-C30862E113DC}"/>
+                <a16:creationId xmlns:a16="http://schemas.microsoft.com/office/drawing/2014/main" id="{7CBAFD50-0F09-3785-AD97-ACA6E84F7751}"/>
               </a:ext>
             </a:extLst>
           </p:cNvPr>
@@ -166,7 +166,7 @@
           <p:cNvPr id="3" name="副标题 2">
             <a:extLst>
               <a:ext uri="{FF2B5EF4-FFF2-40B4-BE49-F238E27FC236}">
-                <a16:creationId xmlns:a16="http://schemas.microsoft.com/office/drawing/2014/main" id="{A9D2226B-073E-71BA-2842-E975BBEF2446}"/>
+                <a16:creationId xmlns:a16="http://schemas.microsoft.com/office/drawing/2014/main" id="{E0974604-D09B-385C-832C-C272EF3AC7EB}"/>
               </a:ext>
             </a:extLst>
           </p:cNvPr>
@@ -236,7 +236,7 @@
           <p:cNvPr id="4" name="日期占位符 3">
             <a:extLst>
               <a:ext uri="{FF2B5EF4-FFF2-40B4-BE49-F238E27FC236}">
-                <a16:creationId xmlns:a16="http://schemas.microsoft.com/office/drawing/2014/main" id="{71060D2A-0638-67F1-7709-56C5DA374A48}"/>
+                <a16:creationId xmlns:a16="http://schemas.microsoft.com/office/drawing/2014/main" id="{62E37571-0C69-66C8-0247-E56B2317A5D5}"/>
               </a:ext>
             </a:extLst>
           </p:cNvPr>
@@ -252,7 +252,7 @@
           <a:bodyPr/>
           <a:lstStyle/>
           <a:p>
-            <a:fld id="{8B074686-4C06-47C2-9DC2-AD047C3A09D0}" type="datetimeFigureOut">
+            <a:fld id="{DFB6D37D-8275-4044-A87F-9FFEE47538F7}" type="datetimeFigureOut">
               <a:rPr lang="zh-CN" altLang="en-US" smtClean="0"/>
               <a:t>2024/3/10</a:t>
             </a:fld>
@@ -265,7 +265,7 @@
           <p:cNvPr id="5" name="页脚占位符 4">
             <a:extLst>
               <a:ext uri="{FF2B5EF4-FFF2-40B4-BE49-F238E27FC236}">
-                <a16:creationId xmlns:a16="http://schemas.microsoft.com/office/drawing/2014/main" id="{17197FB3-8AE1-8972-8BB1-1DBC8371E647}"/>
+                <a16:creationId xmlns:a16="http://schemas.microsoft.com/office/drawing/2014/main" id="{51EFDA81-B90F-7E0A-8910-BB896C3EF47E}"/>
               </a:ext>
             </a:extLst>
           </p:cNvPr>
@@ -290,7 +290,7 @@
           <p:cNvPr id="6" name="灯片编号占位符 5">
             <a:extLst>
               <a:ext uri="{FF2B5EF4-FFF2-40B4-BE49-F238E27FC236}">
-                <a16:creationId xmlns:a16="http://schemas.microsoft.com/office/drawing/2014/main" id="{DDCC8453-EEA9-24B1-A083-4081B8184489}"/>
+                <a16:creationId xmlns:a16="http://schemas.microsoft.com/office/drawing/2014/main" id="{EB09B6FF-3FAC-6664-B622-82F272D069A3}"/>
               </a:ext>
             </a:extLst>
           </p:cNvPr>
@@ -306,7 +306,7 @@
           <a:bodyPr/>
           <a:lstStyle/>
           <a:p>
-            <a:fld id="{4DD872D3-0CC6-4BB1-B879-FCA811FD2277}" type="slidenum">
+            <a:fld id="{43BAAD1B-6B1D-45CF-B7AB-1516C7021F1C}" type="slidenum">
               <a:rPr lang="zh-CN" altLang="en-US" smtClean="0"/>
               <a:t>‹#›</a:t>
             </a:fld>
@@ -317,7 +317,7 @@
     </p:spTree>
     <p:extLst>
       <p:ext uri="{BB962C8B-B14F-4D97-AF65-F5344CB8AC3E}">
-        <p14:creationId xmlns:p14="http://schemas.microsoft.com/office/powerpoint/2010/main" val="2423721213"/>
+        <p14:creationId xmlns:p14="http://schemas.microsoft.com/office/powerpoint/2010/main" val="2614942565"/>
       </p:ext>
     </p:extLst>
   </p:cSld>
@@ -349,7 +349,7 @@
           <p:cNvPr id="2" name="标题 1">
             <a:extLst>
               <a:ext uri="{FF2B5EF4-FFF2-40B4-BE49-F238E27FC236}">
-                <a16:creationId xmlns:a16="http://schemas.microsoft.com/office/drawing/2014/main" id="{CC002CB1-C7A7-36AF-6B99-FFEDC85F3AC6}"/>
+                <a16:creationId xmlns:a16="http://schemas.microsoft.com/office/drawing/2014/main" id="{232AD447-A292-EDF7-4639-F38EEA138BBE}"/>
               </a:ext>
             </a:extLst>
           </p:cNvPr>
@@ -377,7 +377,7 @@
           <p:cNvPr id="3" name="竖排文字占位符 2">
             <a:extLst>
               <a:ext uri="{FF2B5EF4-FFF2-40B4-BE49-F238E27FC236}">
-                <a16:creationId xmlns:a16="http://schemas.microsoft.com/office/drawing/2014/main" id="{443F6873-1B17-B597-66EB-B4EF38C94B84}"/>
+                <a16:creationId xmlns:a16="http://schemas.microsoft.com/office/drawing/2014/main" id="{D6C24B1D-CA5B-F81E-1EDB-18DD952F2A34}"/>
               </a:ext>
             </a:extLst>
           </p:cNvPr>
@@ -434,7 +434,7 @@
           <p:cNvPr id="4" name="日期占位符 3">
             <a:extLst>
               <a:ext uri="{FF2B5EF4-FFF2-40B4-BE49-F238E27FC236}">
-                <a16:creationId xmlns:a16="http://schemas.microsoft.com/office/drawing/2014/main" id="{6A932579-757B-5AB4-3C4A-5D0FF370D8BA}"/>
+                <a16:creationId xmlns:a16="http://schemas.microsoft.com/office/drawing/2014/main" id="{C36A6CA6-B752-77CB-D7B5-D2FDEC1DAF44}"/>
               </a:ext>
             </a:extLst>
           </p:cNvPr>
@@ -450,7 +450,7 @@
           <a:bodyPr/>
           <a:lstStyle/>
           <a:p>
-            <a:fld id="{8B074686-4C06-47C2-9DC2-AD047C3A09D0}" type="datetimeFigureOut">
+            <a:fld id="{DFB6D37D-8275-4044-A87F-9FFEE47538F7}" type="datetimeFigureOut">
               <a:rPr lang="zh-CN" altLang="en-US" smtClean="0"/>
               <a:t>2024/3/10</a:t>
             </a:fld>
@@ -463,7 +463,7 @@
           <p:cNvPr id="5" name="页脚占位符 4">
             <a:extLst>
               <a:ext uri="{FF2B5EF4-FFF2-40B4-BE49-F238E27FC236}">
-                <a16:creationId xmlns:a16="http://schemas.microsoft.com/office/drawing/2014/main" id="{BF0767A3-11C0-2AD7-79D8-42BDE0F27563}"/>
+                <a16:creationId xmlns:a16="http://schemas.microsoft.com/office/drawing/2014/main" id="{C77295B6-6C5D-E5C4-1557-01BD38FEB29D}"/>
               </a:ext>
             </a:extLst>
           </p:cNvPr>
@@ -488,7 +488,7 @@
           <p:cNvPr id="6" name="灯片编号占位符 5">
             <a:extLst>
               <a:ext uri="{FF2B5EF4-FFF2-40B4-BE49-F238E27FC236}">
-                <a16:creationId xmlns:a16="http://schemas.microsoft.com/office/drawing/2014/main" id="{5EECFB17-D56C-07BA-BBCB-C62DC7748F0B}"/>
+                <a16:creationId xmlns:a16="http://schemas.microsoft.com/office/drawing/2014/main" id="{64AB1D89-ECF7-A3ED-985F-259D137849C2}"/>
               </a:ext>
             </a:extLst>
           </p:cNvPr>
@@ -504,7 +504,7 @@
           <a:bodyPr/>
           <a:lstStyle/>
           <a:p>
-            <a:fld id="{4DD872D3-0CC6-4BB1-B879-FCA811FD2277}" type="slidenum">
+            <a:fld id="{43BAAD1B-6B1D-45CF-B7AB-1516C7021F1C}" type="slidenum">
               <a:rPr lang="zh-CN" altLang="en-US" smtClean="0"/>
               <a:t>‹#›</a:t>
             </a:fld>
@@ -515,7 +515,7 @@
     </p:spTree>
     <p:extLst>
       <p:ext uri="{BB962C8B-B14F-4D97-AF65-F5344CB8AC3E}">
-        <p14:creationId xmlns:p14="http://schemas.microsoft.com/office/powerpoint/2010/main" val="867877828"/>
+        <p14:creationId xmlns:p14="http://schemas.microsoft.com/office/powerpoint/2010/main" val="2017447367"/>
       </p:ext>
     </p:extLst>
   </p:cSld>
@@ -547,7 +547,7 @@
           <p:cNvPr id="2" name="竖排标题 1">
             <a:extLst>
               <a:ext uri="{FF2B5EF4-FFF2-40B4-BE49-F238E27FC236}">
-                <a16:creationId xmlns:a16="http://schemas.microsoft.com/office/drawing/2014/main" id="{CA3C8EB6-4C62-2ECB-B6C5-C38CD4989BA5}"/>
+                <a16:creationId xmlns:a16="http://schemas.microsoft.com/office/drawing/2014/main" id="{23363FF3-CEE9-69A5-1205-62DA1C07DC48}"/>
               </a:ext>
             </a:extLst>
           </p:cNvPr>
@@ -580,7 +580,7 @@
           <p:cNvPr id="3" name="竖排文字占位符 2">
             <a:extLst>
               <a:ext uri="{FF2B5EF4-FFF2-40B4-BE49-F238E27FC236}">
-                <a16:creationId xmlns:a16="http://schemas.microsoft.com/office/drawing/2014/main" id="{820B7DD1-66FF-0FE8-C658-82C4AD53D1B9}"/>
+                <a16:creationId xmlns:a16="http://schemas.microsoft.com/office/drawing/2014/main" id="{5833D693-888B-D063-6EE8-C38931B05BE1}"/>
               </a:ext>
             </a:extLst>
           </p:cNvPr>
@@ -642,7 +642,7 @@
           <p:cNvPr id="4" name="日期占位符 3">
             <a:extLst>
               <a:ext uri="{FF2B5EF4-FFF2-40B4-BE49-F238E27FC236}">
-                <a16:creationId xmlns:a16="http://schemas.microsoft.com/office/drawing/2014/main" id="{4056069B-A2EE-751E-3CDB-37AC410BDA52}"/>
+                <a16:creationId xmlns:a16="http://schemas.microsoft.com/office/drawing/2014/main" id="{B694E613-4A3A-CFB9-B569-1A642873E176}"/>
               </a:ext>
             </a:extLst>
           </p:cNvPr>
@@ -658,7 +658,7 @@
           <a:bodyPr/>
           <a:lstStyle/>
           <a:p>
-            <a:fld id="{8B074686-4C06-47C2-9DC2-AD047C3A09D0}" type="datetimeFigureOut">
+            <a:fld id="{DFB6D37D-8275-4044-A87F-9FFEE47538F7}" type="datetimeFigureOut">
               <a:rPr lang="zh-CN" altLang="en-US" smtClean="0"/>
               <a:t>2024/3/10</a:t>
             </a:fld>
@@ -671,7 +671,7 @@
           <p:cNvPr id="5" name="页脚占位符 4">
             <a:extLst>
               <a:ext uri="{FF2B5EF4-FFF2-40B4-BE49-F238E27FC236}">
-                <a16:creationId xmlns:a16="http://schemas.microsoft.com/office/drawing/2014/main" id="{9EC5002C-A246-6FB0-5792-0D5C7C6169F5}"/>
+                <a16:creationId xmlns:a16="http://schemas.microsoft.com/office/drawing/2014/main" id="{A6C64D04-E173-A490-5201-348A15B68E3D}"/>
               </a:ext>
             </a:extLst>
           </p:cNvPr>
@@ -696,7 +696,7 @@
           <p:cNvPr id="6" name="灯片编号占位符 5">
             <a:extLst>
               <a:ext uri="{FF2B5EF4-FFF2-40B4-BE49-F238E27FC236}">
-                <a16:creationId xmlns:a16="http://schemas.microsoft.com/office/drawing/2014/main" id="{3ED465FD-41B5-C840-996C-A7498F9B55E6}"/>
+                <a16:creationId xmlns:a16="http://schemas.microsoft.com/office/drawing/2014/main" id="{D279832C-4B25-A47C-CF26-01E3BDFF3F85}"/>
               </a:ext>
             </a:extLst>
           </p:cNvPr>
@@ -712,7 +712,7 @@
           <a:bodyPr/>
           <a:lstStyle/>
           <a:p>
-            <a:fld id="{4DD872D3-0CC6-4BB1-B879-FCA811FD2277}" type="slidenum">
+            <a:fld id="{43BAAD1B-6B1D-45CF-B7AB-1516C7021F1C}" type="slidenum">
               <a:rPr lang="zh-CN" altLang="en-US" smtClean="0"/>
               <a:t>‹#›</a:t>
             </a:fld>
@@ -723,7 +723,7 @@
     </p:spTree>
     <p:extLst>
       <p:ext uri="{BB962C8B-B14F-4D97-AF65-F5344CB8AC3E}">
-        <p14:creationId xmlns:p14="http://schemas.microsoft.com/office/powerpoint/2010/main" val="2971942602"/>
+        <p14:creationId xmlns:p14="http://schemas.microsoft.com/office/powerpoint/2010/main" val="328313338"/>
       </p:ext>
     </p:extLst>
   </p:cSld>
@@ -755,7 +755,7 @@
           <p:cNvPr id="2" name="标题 1">
             <a:extLst>
               <a:ext uri="{FF2B5EF4-FFF2-40B4-BE49-F238E27FC236}">
-                <a16:creationId xmlns:a16="http://schemas.microsoft.com/office/drawing/2014/main" id="{E912EA1F-8192-F2E9-706B-21F28CB2D63B}"/>
+                <a16:creationId xmlns:a16="http://schemas.microsoft.com/office/drawing/2014/main" id="{CA2DA136-C085-2E9A-B638-8E2BAE110B9E}"/>
               </a:ext>
             </a:extLst>
           </p:cNvPr>
@@ -783,7 +783,7 @@
           <p:cNvPr id="3" name="内容占位符 2">
             <a:extLst>
               <a:ext uri="{FF2B5EF4-FFF2-40B4-BE49-F238E27FC236}">
-                <a16:creationId xmlns:a16="http://schemas.microsoft.com/office/drawing/2014/main" id="{C3645268-9329-E373-D4C8-57557E474EF0}"/>
+                <a16:creationId xmlns:a16="http://schemas.microsoft.com/office/drawing/2014/main" id="{9245BB0E-BAFF-39DB-4D36-219A9D0944A9}"/>
               </a:ext>
             </a:extLst>
           </p:cNvPr>
@@ -840,7 +840,7 @@
           <p:cNvPr id="4" name="日期占位符 3">
             <a:extLst>
               <a:ext uri="{FF2B5EF4-FFF2-40B4-BE49-F238E27FC236}">
-                <a16:creationId xmlns:a16="http://schemas.microsoft.com/office/drawing/2014/main" id="{3EA8AD71-40FB-B5AC-B4B6-85894A224C20}"/>
+                <a16:creationId xmlns:a16="http://schemas.microsoft.com/office/drawing/2014/main" id="{120EC364-ACF9-7650-74C8-873A9FCFACCB}"/>
               </a:ext>
             </a:extLst>
           </p:cNvPr>
@@ -856,7 +856,7 @@
           <a:bodyPr/>
           <a:lstStyle/>
           <a:p>
-            <a:fld id="{8B074686-4C06-47C2-9DC2-AD047C3A09D0}" type="datetimeFigureOut">
+            <a:fld id="{DFB6D37D-8275-4044-A87F-9FFEE47538F7}" type="datetimeFigureOut">
               <a:rPr lang="zh-CN" altLang="en-US" smtClean="0"/>
               <a:t>2024/3/10</a:t>
             </a:fld>
@@ -869,7 +869,7 @@
           <p:cNvPr id="5" name="页脚占位符 4">
             <a:extLst>
               <a:ext uri="{FF2B5EF4-FFF2-40B4-BE49-F238E27FC236}">
-                <a16:creationId xmlns:a16="http://schemas.microsoft.com/office/drawing/2014/main" id="{366038D5-CA6E-6E5B-CDE9-5C77C73FAD6B}"/>
+                <a16:creationId xmlns:a16="http://schemas.microsoft.com/office/drawing/2014/main" id="{77533CEE-684F-DDE9-1891-08BBBDA91642}"/>
               </a:ext>
             </a:extLst>
           </p:cNvPr>
@@ -894,7 +894,7 @@
           <p:cNvPr id="6" name="灯片编号占位符 5">
             <a:extLst>
               <a:ext uri="{FF2B5EF4-FFF2-40B4-BE49-F238E27FC236}">
-                <a16:creationId xmlns:a16="http://schemas.microsoft.com/office/drawing/2014/main" id="{C5A260D0-D600-5BB1-834E-3DAB9AEF94AC}"/>
+                <a16:creationId xmlns:a16="http://schemas.microsoft.com/office/drawing/2014/main" id="{5A4AA7A1-7D11-477E-4104-4884B58D489D}"/>
               </a:ext>
             </a:extLst>
           </p:cNvPr>
@@ -910,7 +910,7 @@
           <a:bodyPr/>
           <a:lstStyle/>
           <a:p>
-            <a:fld id="{4DD872D3-0CC6-4BB1-B879-FCA811FD2277}" type="slidenum">
+            <a:fld id="{43BAAD1B-6B1D-45CF-B7AB-1516C7021F1C}" type="slidenum">
               <a:rPr lang="zh-CN" altLang="en-US" smtClean="0"/>
               <a:t>‹#›</a:t>
             </a:fld>
@@ -921,7 +921,7 @@
     </p:spTree>
     <p:extLst>
       <p:ext uri="{BB962C8B-B14F-4D97-AF65-F5344CB8AC3E}">
-        <p14:creationId xmlns:p14="http://schemas.microsoft.com/office/powerpoint/2010/main" val="1197938092"/>
+        <p14:creationId xmlns:p14="http://schemas.microsoft.com/office/powerpoint/2010/main" val="2816247245"/>
       </p:ext>
     </p:extLst>
   </p:cSld>
@@ -953,7 +953,7 @@
           <p:cNvPr id="2" name="标题 1">
             <a:extLst>
               <a:ext uri="{FF2B5EF4-FFF2-40B4-BE49-F238E27FC236}">
-                <a16:creationId xmlns:a16="http://schemas.microsoft.com/office/drawing/2014/main" id="{72CFC81D-6A63-B885-1942-855CAEE01B80}"/>
+                <a16:creationId xmlns:a16="http://schemas.microsoft.com/office/drawing/2014/main" id="{0FF2E0A1-4760-B605-CB70-777E8C22D258}"/>
               </a:ext>
             </a:extLst>
           </p:cNvPr>
@@ -990,7 +990,7 @@
           <p:cNvPr id="3" name="文本占位符 2">
             <a:extLst>
               <a:ext uri="{FF2B5EF4-FFF2-40B4-BE49-F238E27FC236}">
-                <a16:creationId xmlns:a16="http://schemas.microsoft.com/office/drawing/2014/main" id="{2422C8B4-0B78-F9CC-0C3B-F309CFE6DE17}"/>
+                <a16:creationId xmlns:a16="http://schemas.microsoft.com/office/drawing/2014/main" id="{AE3FC58B-B787-2685-9009-B651BD77DB6B}"/>
               </a:ext>
             </a:extLst>
           </p:cNvPr>
@@ -1115,7 +1115,7 @@
           <p:cNvPr id="4" name="日期占位符 3">
             <a:extLst>
               <a:ext uri="{FF2B5EF4-FFF2-40B4-BE49-F238E27FC236}">
-                <a16:creationId xmlns:a16="http://schemas.microsoft.com/office/drawing/2014/main" id="{8998EBBE-CBF2-5277-6D39-AED2610F30E7}"/>
+                <a16:creationId xmlns:a16="http://schemas.microsoft.com/office/drawing/2014/main" id="{75A7959F-5E52-28A3-AB36-32052B2321A7}"/>
               </a:ext>
             </a:extLst>
           </p:cNvPr>
@@ -1131,7 +1131,7 @@
           <a:bodyPr/>
           <a:lstStyle/>
           <a:p>
-            <a:fld id="{8B074686-4C06-47C2-9DC2-AD047C3A09D0}" type="datetimeFigureOut">
+            <a:fld id="{DFB6D37D-8275-4044-A87F-9FFEE47538F7}" type="datetimeFigureOut">
               <a:rPr lang="zh-CN" altLang="en-US" smtClean="0"/>
               <a:t>2024/3/10</a:t>
             </a:fld>
@@ -1144,7 +1144,7 @@
           <p:cNvPr id="5" name="页脚占位符 4">
             <a:extLst>
               <a:ext uri="{FF2B5EF4-FFF2-40B4-BE49-F238E27FC236}">
-                <a16:creationId xmlns:a16="http://schemas.microsoft.com/office/drawing/2014/main" id="{D5E09A6E-6D60-CD60-1CC7-989394D20655}"/>
+                <a16:creationId xmlns:a16="http://schemas.microsoft.com/office/drawing/2014/main" id="{5C4649D1-A4EC-2E7D-2C72-D7ACC2A9C6B0}"/>
               </a:ext>
             </a:extLst>
           </p:cNvPr>
@@ -1169,7 +1169,7 @@
           <p:cNvPr id="6" name="灯片编号占位符 5">
             <a:extLst>
               <a:ext uri="{FF2B5EF4-FFF2-40B4-BE49-F238E27FC236}">
-                <a16:creationId xmlns:a16="http://schemas.microsoft.com/office/drawing/2014/main" id="{DF704E0D-DDAF-2F3A-9068-1A8DF77C2C53}"/>
+                <a16:creationId xmlns:a16="http://schemas.microsoft.com/office/drawing/2014/main" id="{66B60F91-4384-F243-18B3-88BAC9CFB81E}"/>
               </a:ext>
             </a:extLst>
           </p:cNvPr>
@@ -1185,7 +1185,7 @@
           <a:bodyPr/>
           <a:lstStyle/>
           <a:p>
-            <a:fld id="{4DD872D3-0CC6-4BB1-B879-FCA811FD2277}" type="slidenum">
+            <a:fld id="{43BAAD1B-6B1D-45CF-B7AB-1516C7021F1C}" type="slidenum">
               <a:rPr lang="zh-CN" altLang="en-US" smtClean="0"/>
               <a:t>‹#›</a:t>
             </a:fld>
@@ -1196,7 +1196,7 @@
     </p:spTree>
     <p:extLst>
       <p:ext uri="{BB962C8B-B14F-4D97-AF65-F5344CB8AC3E}">
-        <p14:creationId xmlns:p14="http://schemas.microsoft.com/office/powerpoint/2010/main" val="3702164174"/>
+        <p14:creationId xmlns:p14="http://schemas.microsoft.com/office/powerpoint/2010/main" val="1122543288"/>
       </p:ext>
     </p:extLst>
   </p:cSld>
@@ -1228,7 +1228,7 @@
           <p:cNvPr id="2" name="标题 1">
             <a:extLst>
               <a:ext uri="{FF2B5EF4-FFF2-40B4-BE49-F238E27FC236}">
-                <a16:creationId xmlns:a16="http://schemas.microsoft.com/office/drawing/2014/main" id="{221DD1BF-87C1-9E54-AE48-D22717F9A9C5}"/>
+                <a16:creationId xmlns:a16="http://schemas.microsoft.com/office/drawing/2014/main" id="{2DA16F7F-572F-13B2-A4BE-3415312E2EEC}"/>
               </a:ext>
             </a:extLst>
           </p:cNvPr>
@@ -1256,7 +1256,7 @@
           <p:cNvPr id="3" name="内容占位符 2">
             <a:extLst>
               <a:ext uri="{FF2B5EF4-FFF2-40B4-BE49-F238E27FC236}">
-                <a16:creationId xmlns:a16="http://schemas.microsoft.com/office/drawing/2014/main" id="{08527A18-9B8F-B26C-3EE6-D6A4917B6139}"/>
+                <a16:creationId xmlns:a16="http://schemas.microsoft.com/office/drawing/2014/main" id="{933415DD-F0A6-5392-8043-CF16471EB71D}"/>
               </a:ext>
             </a:extLst>
           </p:cNvPr>
@@ -1318,7 +1318,7 @@
           <p:cNvPr id="4" name="内容占位符 3">
             <a:extLst>
               <a:ext uri="{FF2B5EF4-FFF2-40B4-BE49-F238E27FC236}">
-                <a16:creationId xmlns:a16="http://schemas.microsoft.com/office/drawing/2014/main" id="{21949BF6-E5CF-CE21-51E5-32EF65C2DD5A}"/>
+                <a16:creationId xmlns:a16="http://schemas.microsoft.com/office/drawing/2014/main" id="{BBD14BFB-A495-6142-E710-C947709C0E7C}"/>
               </a:ext>
             </a:extLst>
           </p:cNvPr>
@@ -1380,7 +1380,7 @@
           <p:cNvPr id="5" name="日期占位符 4">
             <a:extLst>
               <a:ext uri="{FF2B5EF4-FFF2-40B4-BE49-F238E27FC236}">
-                <a16:creationId xmlns:a16="http://schemas.microsoft.com/office/drawing/2014/main" id="{F97F7B4D-125C-9ACA-1DE8-67F41746B596}"/>
+                <a16:creationId xmlns:a16="http://schemas.microsoft.com/office/drawing/2014/main" id="{2224031C-FA73-860A-775B-0C60DB19F98A}"/>
               </a:ext>
             </a:extLst>
           </p:cNvPr>
@@ -1396,7 +1396,7 @@
           <a:bodyPr/>
           <a:lstStyle/>
           <a:p>
-            <a:fld id="{8B074686-4C06-47C2-9DC2-AD047C3A09D0}" type="datetimeFigureOut">
+            <a:fld id="{DFB6D37D-8275-4044-A87F-9FFEE47538F7}" type="datetimeFigureOut">
               <a:rPr lang="zh-CN" altLang="en-US" smtClean="0"/>
               <a:t>2024/3/10</a:t>
             </a:fld>
@@ -1409,7 +1409,7 @@
           <p:cNvPr id="6" name="页脚占位符 5">
             <a:extLst>
               <a:ext uri="{FF2B5EF4-FFF2-40B4-BE49-F238E27FC236}">
-                <a16:creationId xmlns:a16="http://schemas.microsoft.com/office/drawing/2014/main" id="{05D4C4EF-7F4D-C7BE-80A6-400AC404A3ED}"/>
+                <a16:creationId xmlns:a16="http://schemas.microsoft.com/office/drawing/2014/main" id="{D6FF9254-EAD7-7A27-66F9-5ABC25D96738}"/>
               </a:ext>
             </a:extLst>
           </p:cNvPr>
@@ -1434,7 +1434,7 @@
           <p:cNvPr id="7" name="灯片编号占位符 6">
             <a:extLst>
               <a:ext uri="{FF2B5EF4-FFF2-40B4-BE49-F238E27FC236}">
-                <a16:creationId xmlns:a16="http://schemas.microsoft.com/office/drawing/2014/main" id="{4B91EE56-42F5-DD4A-2010-F596C5F4FB1D}"/>
+                <a16:creationId xmlns:a16="http://schemas.microsoft.com/office/drawing/2014/main" id="{CC7E6BAE-23F6-EA4A-8019-D7DF1E401E71}"/>
               </a:ext>
             </a:extLst>
           </p:cNvPr>
@@ -1450,7 +1450,7 @@
           <a:bodyPr/>
           <a:lstStyle/>
           <a:p>
-            <a:fld id="{4DD872D3-0CC6-4BB1-B879-FCA811FD2277}" type="slidenum">
+            <a:fld id="{43BAAD1B-6B1D-45CF-B7AB-1516C7021F1C}" type="slidenum">
               <a:rPr lang="zh-CN" altLang="en-US" smtClean="0"/>
               <a:t>‹#›</a:t>
             </a:fld>
@@ -1461,7 +1461,7 @@
     </p:spTree>
     <p:extLst>
       <p:ext uri="{BB962C8B-B14F-4D97-AF65-F5344CB8AC3E}">
-        <p14:creationId xmlns:p14="http://schemas.microsoft.com/office/powerpoint/2010/main" val="2223292466"/>
+        <p14:creationId xmlns:p14="http://schemas.microsoft.com/office/powerpoint/2010/main" val="2267201598"/>
       </p:ext>
     </p:extLst>
   </p:cSld>
@@ -1493,7 +1493,7 @@
           <p:cNvPr id="2" name="标题 1">
             <a:extLst>
               <a:ext uri="{FF2B5EF4-FFF2-40B4-BE49-F238E27FC236}">
-                <a16:creationId xmlns:a16="http://schemas.microsoft.com/office/drawing/2014/main" id="{70B0B1DA-E1FB-BE72-3FF7-C00E759E32DA}"/>
+                <a16:creationId xmlns:a16="http://schemas.microsoft.com/office/drawing/2014/main" id="{427F62DD-85AA-FCB4-B8B4-583941CBC2E1}"/>
               </a:ext>
             </a:extLst>
           </p:cNvPr>
@@ -1526,7 +1526,7 @@
           <p:cNvPr id="3" name="文本占位符 2">
             <a:extLst>
               <a:ext uri="{FF2B5EF4-FFF2-40B4-BE49-F238E27FC236}">
-                <a16:creationId xmlns:a16="http://schemas.microsoft.com/office/drawing/2014/main" id="{33C23FC3-3B19-78C6-C2AD-30230D7AD93E}"/>
+                <a16:creationId xmlns:a16="http://schemas.microsoft.com/office/drawing/2014/main" id="{915B925B-415E-CB79-A35B-A002E8180E1F}"/>
               </a:ext>
             </a:extLst>
           </p:cNvPr>
@@ -1597,7 +1597,7 @@
           <p:cNvPr id="4" name="内容占位符 3">
             <a:extLst>
               <a:ext uri="{FF2B5EF4-FFF2-40B4-BE49-F238E27FC236}">
-                <a16:creationId xmlns:a16="http://schemas.microsoft.com/office/drawing/2014/main" id="{95B6010B-5F9B-4401-F1EB-962AEC59CB77}"/>
+                <a16:creationId xmlns:a16="http://schemas.microsoft.com/office/drawing/2014/main" id="{4BF6C8E6-FCF2-A39A-51BA-6E59DCE00446}"/>
               </a:ext>
             </a:extLst>
           </p:cNvPr>
@@ -1659,7 +1659,7 @@
           <p:cNvPr id="5" name="文本占位符 4">
             <a:extLst>
               <a:ext uri="{FF2B5EF4-FFF2-40B4-BE49-F238E27FC236}">
-                <a16:creationId xmlns:a16="http://schemas.microsoft.com/office/drawing/2014/main" id="{DF3AE012-4777-B0D8-07BD-91D00E00A318}"/>
+                <a16:creationId xmlns:a16="http://schemas.microsoft.com/office/drawing/2014/main" id="{36F97C0D-C426-3D9D-B87B-124AE3AB8206}"/>
               </a:ext>
             </a:extLst>
           </p:cNvPr>
@@ -1730,7 +1730,7 @@
           <p:cNvPr id="6" name="内容占位符 5">
             <a:extLst>
               <a:ext uri="{FF2B5EF4-FFF2-40B4-BE49-F238E27FC236}">
-                <a16:creationId xmlns:a16="http://schemas.microsoft.com/office/drawing/2014/main" id="{78D77E2D-71D6-6D07-E9B4-BDB10E15D34A}"/>
+                <a16:creationId xmlns:a16="http://schemas.microsoft.com/office/drawing/2014/main" id="{3E8542E1-708E-CA78-4BBF-E6615D9C569C}"/>
               </a:ext>
             </a:extLst>
           </p:cNvPr>
@@ -1792,7 +1792,7 @@
           <p:cNvPr id="7" name="日期占位符 6">
             <a:extLst>
               <a:ext uri="{FF2B5EF4-FFF2-40B4-BE49-F238E27FC236}">
-                <a16:creationId xmlns:a16="http://schemas.microsoft.com/office/drawing/2014/main" id="{AC3801B1-38CD-FD67-6010-C7C3C1D12368}"/>
+                <a16:creationId xmlns:a16="http://schemas.microsoft.com/office/drawing/2014/main" id="{897AD19E-1A16-4663-29A1-8E8927A93147}"/>
               </a:ext>
             </a:extLst>
           </p:cNvPr>
@@ -1808,7 +1808,7 @@
           <a:bodyPr/>
           <a:lstStyle/>
           <a:p>
-            <a:fld id="{8B074686-4C06-47C2-9DC2-AD047C3A09D0}" type="datetimeFigureOut">
+            <a:fld id="{DFB6D37D-8275-4044-A87F-9FFEE47538F7}" type="datetimeFigureOut">
               <a:rPr lang="zh-CN" altLang="en-US" smtClean="0"/>
               <a:t>2024/3/10</a:t>
             </a:fld>
@@ -1821,7 +1821,7 @@
           <p:cNvPr id="8" name="页脚占位符 7">
             <a:extLst>
               <a:ext uri="{FF2B5EF4-FFF2-40B4-BE49-F238E27FC236}">
-                <a16:creationId xmlns:a16="http://schemas.microsoft.com/office/drawing/2014/main" id="{5ED60AF8-EC85-D9C7-1CBD-08F590AD7D6F}"/>
+                <a16:creationId xmlns:a16="http://schemas.microsoft.com/office/drawing/2014/main" id="{377A43CB-FA9D-7119-73D9-763FB5B524A9}"/>
               </a:ext>
             </a:extLst>
           </p:cNvPr>
@@ -1846,7 +1846,7 @@
           <p:cNvPr id="9" name="灯片编号占位符 8">
             <a:extLst>
               <a:ext uri="{FF2B5EF4-FFF2-40B4-BE49-F238E27FC236}">
-                <a16:creationId xmlns:a16="http://schemas.microsoft.com/office/drawing/2014/main" id="{E0178B02-62A1-C60A-F905-8F5777FC034C}"/>
+                <a16:creationId xmlns:a16="http://schemas.microsoft.com/office/drawing/2014/main" id="{420B4FEB-8FFC-4CD1-7106-2E089B2D3D9F}"/>
               </a:ext>
             </a:extLst>
           </p:cNvPr>
@@ -1862,7 +1862,7 @@
           <a:bodyPr/>
           <a:lstStyle/>
           <a:p>
-            <a:fld id="{4DD872D3-0CC6-4BB1-B879-FCA811FD2277}" type="slidenum">
+            <a:fld id="{43BAAD1B-6B1D-45CF-B7AB-1516C7021F1C}" type="slidenum">
               <a:rPr lang="zh-CN" altLang="en-US" smtClean="0"/>
               <a:t>‹#›</a:t>
             </a:fld>
@@ -1873,7 +1873,7 @@
     </p:spTree>
     <p:extLst>
       <p:ext uri="{BB962C8B-B14F-4D97-AF65-F5344CB8AC3E}">
-        <p14:creationId xmlns:p14="http://schemas.microsoft.com/office/powerpoint/2010/main" val="991409684"/>
+        <p14:creationId xmlns:p14="http://schemas.microsoft.com/office/powerpoint/2010/main" val="2341269230"/>
       </p:ext>
     </p:extLst>
   </p:cSld>
@@ -1905,7 +1905,7 @@
           <p:cNvPr id="2" name="标题 1">
             <a:extLst>
               <a:ext uri="{FF2B5EF4-FFF2-40B4-BE49-F238E27FC236}">
-                <a16:creationId xmlns:a16="http://schemas.microsoft.com/office/drawing/2014/main" id="{6D4D970D-4269-93A4-ADE8-E868B88BBD0B}"/>
+                <a16:creationId xmlns:a16="http://schemas.microsoft.com/office/drawing/2014/main" id="{718AE499-00AB-5291-7971-0D7477D66564}"/>
               </a:ext>
             </a:extLst>
           </p:cNvPr>
@@ -1933,7 +1933,7 @@
           <p:cNvPr id="3" name="日期占位符 2">
             <a:extLst>
               <a:ext uri="{FF2B5EF4-FFF2-40B4-BE49-F238E27FC236}">
-                <a16:creationId xmlns:a16="http://schemas.microsoft.com/office/drawing/2014/main" id="{104A82E1-673D-E92D-671A-86301E2BE70A}"/>
+                <a16:creationId xmlns:a16="http://schemas.microsoft.com/office/drawing/2014/main" id="{E8AC0C44-D9BC-5914-3A36-F42C43AEDB13}"/>
               </a:ext>
             </a:extLst>
           </p:cNvPr>
@@ -1949,7 +1949,7 @@
           <a:bodyPr/>
           <a:lstStyle/>
           <a:p>
-            <a:fld id="{8B074686-4C06-47C2-9DC2-AD047C3A09D0}" type="datetimeFigureOut">
+            <a:fld id="{DFB6D37D-8275-4044-A87F-9FFEE47538F7}" type="datetimeFigureOut">
               <a:rPr lang="zh-CN" altLang="en-US" smtClean="0"/>
               <a:t>2024/3/10</a:t>
             </a:fld>
@@ -1962,7 +1962,7 @@
           <p:cNvPr id="4" name="页脚占位符 3">
             <a:extLst>
               <a:ext uri="{FF2B5EF4-FFF2-40B4-BE49-F238E27FC236}">
-                <a16:creationId xmlns:a16="http://schemas.microsoft.com/office/drawing/2014/main" id="{5252657D-71A2-AE06-3D53-D9447752A60D}"/>
+                <a16:creationId xmlns:a16="http://schemas.microsoft.com/office/drawing/2014/main" id="{7A83B51E-F9A8-C26E-3439-E5447978D45F}"/>
               </a:ext>
             </a:extLst>
           </p:cNvPr>
@@ -1987,7 +1987,7 @@
           <p:cNvPr id="5" name="灯片编号占位符 4">
             <a:extLst>
               <a:ext uri="{FF2B5EF4-FFF2-40B4-BE49-F238E27FC236}">
-                <a16:creationId xmlns:a16="http://schemas.microsoft.com/office/drawing/2014/main" id="{FC414D1A-FCC5-F319-8297-7B89FF15F56D}"/>
+                <a16:creationId xmlns:a16="http://schemas.microsoft.com/office/drawing/2014/main" id="{FCC26392-E5C5-D443-3E54-75EA70EF0EFF}"/>
               </a:ext>
             </a:extLst>
           </p:cNvPr>
@@ -2003,7 +2003,7 @@
           <a:bodyPr/>
           <a:lstStyle/>
           <a:p>
-            <a:fld id="{4DD872D3-0CC6-4BB1-B879-FCA811FD2277}" type="slidenum">
+            <a:fld id="{43BAAD1B-6B1D-45CF-B7AB-1516C7021F1C}" type="slidenum">
               <a:rPr lang="zh-CN" altLang="en-US" smtClean="0"/>
               <a:t>‹#›</a:t>
             </a:fld>
@@ -2014,7 +2014,7 @@
     </p:spTree>
     <p:extLst>
       <p:ext uri="{BB962C8B-B14F-4D97-AF65-F5344CB8AC3E}">
-        <p14:creationId xmlns:p14="http://schemas.microsoft.com/office/powerpoint/2010/main" val="3202832353"/>
+        <p14:creationId xmlns:p14="http://schemas.microsoft.com/office/powerpoint/2010/main" val="1739440821"/>
       </p:ext>
     </p:extLst>
   </p:cSld>
@@ -2046,7 +2046,7 @@
           <p:cNvPr id="2" name="日期占位符 1">
             <a:extLst>
               <a:ext uri="{FF2B5EF4-FFF2-40B4-BE49-F238E27FC236}">
-                <a16:creationId xmlns:a16="http://schemas.microsoft.com/office/drawing/2014/main" id="{48C10123-7DDC-31FB-CBB1-92921228401B}"/>
+                <a16:creationId xmlns:a16="http://schemas.microsoft.com/office/drawing/2014/main" id="{0BDE02C9-8AA2-778A-9AF5-F5B1BF8ECE68}"/>
               </a:ext>
             </a:extLst>
           </p:cNvPr>
@@ -2062,7 +2062,7 @@
           <a:bodyPr/>
           <a:lstStyle/>
           <a:p>
-            <a:fld id="{8B074686-4C06-47C2-9DC2-AD047C3A09D0}" type="datetimeFigureOut">
+            <a:fld id="{DFB6D37D-8275-4044-A87F-9FFEE47538F7}" type="datetimeFigureOut">
               <a:rPr lang="zh-CN" altLang="en-US" smtClean="0"/>
               <a:t>2024/3/10</a:t>
             </a:fld>
@@ -2075,7 +2075,7 @@
           <p:cNvPr id="3" name="页脚占位符 2">
             <a:extLst>
               <a:ext uri="{FF2B5EF4-FFF2-40B4-BE49-F238E27FC236}">
-                <a16:creationId xmlns:a16="http://schemas.microsoft.com/office/drawing/2014/main" id="{DD2FFF8B-A2E8-BDBE-E89F-599E81ABAB68}"/>
+                <a16:creationId xmlns:a16="http://schemas.microsoft.com/office/drawing/2014/main" id="{F2EC0377-3DB7-46B2-F70A-D68417B4272D}"/>
               </a:ext>
             </a:extLst>
           </p:cNvPr>
@@ -2100,7 +2100,7 @@
           <p:cNvPr id="4" name="灯片编号占位符 3">
             <a:extLst>
               <a:ext uri="{FF2B5EF4-FFF2-40B4-BE49-F238E27FC236}">
-                <a16:creationId xmlns:a16="http://schemas.microsoft.com/office/drawing/2014/main" id="{1394E197-F8BE-677D-7D0F-47A0A3314B91}"/>
+                <a16:creationId xmlns:a16="http://schemas.microsoft.com/office/drawing/2014/main" id="{F99810CC-97A9-5CF7-3C85-F54BC3FDB014}"/>
               </a:ext>
             </a:extLst>
           </p:cNvPr>
@@ -2116,7 +2116,7 @@
           <a:bodyPr/>
           <a:lstStyle/>
           <a:p>
-            <a:fld id="{4DD872D3-0CC6-4BB1-B879-FCA811FD2277}" type="slidenum">
+            <a:fld id="{43BAAD1B-6B1D-45CF-B7AB-1516C7021F1C}" type="slidenum">
               <a:rPr lang="zh-CN" altLang="en-US" smtClean="0"/>
               <a:t>‹#›</a:t>
             </a:fld>
@@ -2127,7 +2127,7 @@
     </p:spTree>
     <p:extLst>
       <p:ext uri="{BB962C8B-B14F-4D97-AF65-F5344CB8AC3E}">
-        <p14:creationId xmlns:p14="http://schemas.microsoft.com/office/powerpoint/2010/main" val="1913879128"/>
+        <p14:creationId xmlns:p14="http://schemas.microsoft.com/office/powerpoint/2010/main" val="380853410"/>
       </p:ext>
     </p:extLst>
   </p:cSld>
@@ -2159,7 +2159,7 @@
           <p:cNvPr id="2" name="标题 1">
             <a:extLst>
               <a:ext uri="{FF2B5EF4-FFF2-40B4-BE49-F238E27FC236}">
-                <a16:creationId xmlns:a16="http://schemas.microsoft.com/office/drawing/2014/main" id="{2350BFB1-81A0-79D9-0B17-BBEED623B266}"/>
+                <a16:creationId xmlns:a16="http://schemas.microsoft.com/office/drawing/2014/main" id="{F2F0D951-1620-C85D-323A-F7862DE4CF40}"/>
               </a:ext>
             </a:extLst>
           </p:cNvPr>
@@ -2196,7 +2196,7 @@
           <p:cNvPr id="3" name="内容占位符 2">
             <a:extLst>
               <a:ext uri="{FF2B5EF4-FFF2-40B4-BE49-F238E27FC236}">
-                <a16:creationId xmlns:a16="http://schemas.microsoft.com/office/drawing/2014/main" id="{E2674C42-5566-FC6A-D0ED-BF160461C671}"/>
+                <a16:creationId xmlns:a16="http://schemas.microsoft.com/office/drawing/2014/main" id="{E3EABE50-D6F2-4B85-DBEC-DBDBCD7094E6}"/>
               </a:ext>
             </a:extLst>
           </p:cNvPr>
@@ -2286,7 +2286,7 @@
           <p:cNvPr id="4" name="文本占位符 3">
             <a:extLst>
               <a:ext uri="{FF2B5EF4-FFF2-40B4-BE49-F238E27FC236}">
-                <a16:creationId xmlns:a16="http://schemas.microsoft.com/office/drawing/2014/main" id="{0D6E34AE-5777-7895-6336-23803D337371}"/>
+                <a16:creationId xmlns:a16="http://schemas.microsoft.com/office/drawing/2014/main" id="{1FF825CA-2049-D148-4FAC-440B9AF08B43}"/>
               </a:ext>
             </a:extLst>
           </p:cNvPr>
@@ -2357,7 +2357,7 @@
           <p:cNvPr id="5" name="日期占位符 4">
             <a:extLst>
               <a:ext uri="{FF2B5EF4-FFF2-40B4-BE49-F238E27FC236}">
-                <a16:creationId xmlns:a16="http://schemas.microsoft.com/office/drawing/2014/main" id="{43680B79-C5AF-CDB2-9446-F8B8AA65C5CB}"/>
+                <a16:creationId xmlns:a16="http://schemas.microsoft.com/office/drawing/2014/main" id="{8A768CC0-AF9B-0AF5-CD71-BE3B2BA24A10}"/>
               </a:ext>
             </a:extLst>
           </p:cNvPr>
@@ -2373,7 +2373,7 @@
           <a:bodyPr/>
           <a:lstStyle/>
           <a:p>
-            <a:fld id="{8B074686-4C06-47C2-9DC2-AD047C3A09D0}" type="datetimeFigureOut">
+            <a:fld id="{DFB6D37D-8275-4044-A87F-9FFEE47538F7}" type="datetimeFigureOut">
               <a:rPr lang="zh-CN" altLang="en-US" smtClean="0"/>
               <a:t>2024/3/10</a:t>
             </a:fld>
@@ -2386,7 +2386,7 @@
           <p:cNvPr id="6" name="页脚占位符 5">
             <a:extLst>
               <a:ext uri="{FF2B5EF4-FFF2-40B4-BE49-F238E27FC236}">
-                <a16:creationId xmlns:a16="http://schemas.microsoft.com/office/drawing/2014/main" id="{EFECD2F4-8F10-A5DF-15D5-833C47745237}"/>
+                <a16:creationId xmlns:a16="http://schemas.microsoft.com/office/drawing/2014/main" id="{D340EC07-CC2E-4B84-8C37-6AF6D535A2B6}"/>
               </a:ext>
             </a:extLst>
           </p:cNvPr>
@@ -2411,7 +2411,7 @@
           <p:cNvPr id="7" name="灯片编号占位符 6">
             <a:extLst>
               <a:ext uri="{FF2B5EF4-FFF2-40B4-BE49-F238E27FC236}">
-                <a16:creationId xmlns:a16="http://schemas.microsoft.com/office/drawing/2014/main" id="{5C503414-71CA-A7B0-5254-01CB279D3539}"/>
+                <a16:creationId xmlns:a16="http://schemas.microsoft.com/office/drawing/2014/main" id="{97C2A0C5-4E2F-BF29-075A-923F0C1D1A31}"/>
               </a:ext>
             </a:extLst>
           </p:cNvPr>
@@ -2427,7 +2427,7 @@
           <a:bodyPr/>
           <a:lstStyle/>
           <a:p>
-            <a:fld id="{4DD872D3-0CC6-4BB1-B879-FCA811FD2277}" type="slidenum">
+            <a:fld id="{43BAAD1B-6B1D-45CF-B7AB-1516C7021F1C}" type="slidenum">
               <a:rPr lang="zh-CN" altLang="en-US" smtClean="0"/>
               <a:t>‹#›</a:t>
             </a:fld>
@@ -2438,7 +2438,7 @@
     </p:spTree>
     <p:extLst>
       <p:ext uri="{BB962C8B-B14F-4D97-AF65-F5344CB8AC3E}">
-        <p14:creationId xmlns:p14="http://schemas.microsoft.com/office/powerpoint/2010/main" val="2750124465"/>
+        <p14:creationId xmlns:p14="http://schemas.microsoft.com/office/powerpoint/2010/main" val="1875177203"/>
       </p:ext>
     </p:extLst>
   </p:cSld>
@@ -2470,7 +2470,7 @@
           <p:cNvPr id="2" name="标题 1">
             <a:extLst>
               <a:ext uri="{FF2B5EF4-FFF2-40B4-BE49-F238E27FC236}">
-                <a16:creationId xmlns:a16="http://schemas.microsoft.com/office/drawing/2014/main" id="{0968CAF4-F3A4-CE34-BE2E-EE5617F9D058}"/>
+                <a16:creationId xmlns:a16="http://schemas.microsoft.com/office/drawing/2014/main" id="{C60D08CC-A587-2980-F53E-9BD437E77659}"/>
               </a:ext>
             </a:extLst>
           </p:cNvPr>
@@ -2507,7 +2507,7 @@
           <p:cNvPr id="3" name="图片占位符 2">
             <a:extLst>
               <a:ext uri="{FF2B5EF4-FFF2-40B4-BE49-F238E27FC236}">
-                <a16:creationId xmlns:a16="http://schemas.microsoft.com/office/drawing/2014/main" id="{B3FB8A4D-27A3-AE55-E7DF-14F53E1F4EF5}"/>
+                <a16:creationId xmlns:a16="http://schemas.microsoft.com/office/drawing/2014/main" id="{6D48A528-4715-078B-5FDF-0CADD0BFA310}"/>
               </a:ext>
             </a:extLst>
           </p:cNvPr>
@@ -2574,7 +2574,7 @@
           <p:cNvPr id="4" name="文本占位符 3">
             <a:extLst>
               <a:ext uri="{FF2B5EF4-FFF2-40B4-BE49-F238E27FC236}">
-                <a16:creationId xmlns:a16="http://schemas.microsoft.com/office/drawing/2014/main" id="{043E5178-ACF6-864E-EA17-52A729948F71}"/>
+                <a16:creationId xmlns:a16="http://schemas.microsoft.com/office/drawing/2014/main" id="{A146DEDB-4791-18F6-9C9E-B992211E1803}"/>
               </a:ext>
             </a:extLst>
           </p:cNvPr>
@@ -2645,7 +2645,7 @@
           <p:cNvPr id="5" name="日期占位符 4">
             <a:extLst>
               <a:ext uri="{FF2B5EF4-FFF2-40B4-BE49-F238E27FC236}">
-                <a16:creationId xmlns:a16="http://schemas.microsoft.com/office/drawing/2014/main" id="{ABEBC7BD-327D-9326-9E7D-9471393B3897}"/>
+                <a16:creationId xmlns:a16="http://schemas.microsoft.com/office/drawing/2014/main" id="{ABF30E90-496C-1240-E2F9-9521E85A46FB}"/>
               </a:ext>
             </a:extLst>
           </p:cNvPr>
@@ -2661,7 +2661,7 @@
           <a:bodyPr/>
           <a:lstStyle/>
           <a:p>
-            <a:fld id="{8B074686-4C06-47C2-9DC2-AD047C3A09D0}" type="datetimeFigureOut">
+            <a:fld id="{DFB6D37D-8275-4044-A87F-9FFEE47538F7}" type="datetimeFigureOut">
               <a:rPr lang="zh-CN" altLang="en-US" smtClean="0"/>
               <a:t>2024/3/10</a:t>
             </a:fld>
@@ -2674,7 +2674,7 @@
           <p:cNvPr id="6" name="页脚占位符 5">
             <a:extLst>
               <a:ext uri="{FF2B5EF4-FFF2-40B4-BE49-F238E27FC236}">
-                <a16:creationId xmlns:a16="http://schemas.microsoft.com/office/drawing/2014/main" id="{CFB56BA6-EA6B-CBB6-BA77-CADE606F8A29}"/>
+                <a16:creationId xmlns:a16="http://schemas.microsoft.com/office/drawing/2014/main" id="{96303AA1-A1A2-F17F-DF16-658069A4E54C}"/>
               </a:ext>
             </a:extLst>
           </p:cNvPr>
@@ -2699,7 +2699,7 @@
           <p:cNvPr id="7" name="灯片编号占位符 6">
             <a:extLst>
               <a:ext uri="{FF2B5EF4-FFF2-40B4-BE49-F238E27FC236}">
-                <a16:creationId xmlns:a16="http://schemas.microsoft.com/office/drawing/2014/main" id="{10691CF5-F208-6545-815C-A312418CF39D}"/>
+                <a16:creationId xmlns:a16="http://schemas.microsoft.com/office/drawing/2014/main" id="{0DC474B7-82EA-B19F-05DD-D8C9A9593B0C}"/>
               </a:ext>
             </a:extLst>
           </p:cNvPr>
@@ -2715,7 +2715,7 @@
           <a:bodyPr/>
           <a:lstStyle/>
           <a:p>
-            <a:fld id="{4DD872D3-0CC6-4BB1-B879-FCA811FD2277}" type="slidenum">
+            <a:fld id="{43BAAD1B-6B1D-45CF-B7AB-1516C7021F1C}" type="slidenum">
               <a:rPr lang="zh-CN" altLang="en-US" smtClean="0"/>
               <a:t>‹#›</a:t>
             </a:fld>
@@ -2726,7 +2726,7 @@
     </p:spTree>
     <p:extLst>
       <p:ext uri="{BB962C8B-B14F-4D97-AF65-F5344CB8AC3E}">
-        <p14:creationId xmlns:p14="http://schemas.microsoft.com/office/powerpoint/2010/main" val="303700346"/>
+        <p14:creationId xmlns:p14="http://schemas.microsoft.com/office/powerpoint/2010/main" val="3651935888"/>
       </p:ext>
     </p:extLst>
   </p:cSld>
@@ -2763,7 +2763,7 @@
           <p:cNvPr id="2" name="标题占位符 1">
             <a:extLst>
               <a:ext uri="{FF2B5EF4-FFF2-40B4-BE49-F238E27FC236}">
-                <a16:creationId xmlns:a16="http://schemas.microsoft.com/office/drawing/2014/main" id="{1857E521-8897-A262-9958-B083CD8EC2C1}"/>
+                <a16:creationId xmlns:a16="http://schemas.microsoft.com/office/drawing/2014/main" id="{50BCBEDE-F293-1448-BB53-695E788136B2}"/>
               </a:ext>
             </a:extLst>
           </p:cNvPr>
@@ -2801,7 +2801,7 @@
           <p:cNvPr id="3" name="文本占位符 2">
             <a:extLst>
               <a:ext uri="{FF2B5EF4-FFF2-40B4-BE49-F238E27FC236}">
-                <a16:creationId xmlns:a16="http://schemas.microsoft.com/office/drawing/2014/main" id="{952D75CB-9285-9A39-555B-D7EB7974BF45}"/>
+                <a16:creationId xmlns:a16="http://schemas.microsoft.com/office/drawing/2014/main" id="{3C23586C-E8AC-6B50-E0CA-11387C283A29}"/>
               </a:ext>
             </a:extLst>
           </p:cNvPr>
@@ -2868,7 +2868,7 @@
           <p:cNvPr id="4" name="日期占位符 3">
             <a:extLst>
               <a:ext uri="{FF2B5EF4-FFF2-40B4-BE49-F238E27FC236}">
-                <a16:creationId xmlns:a16="http://schemas.microsoft.com/office/drawing/2014/main" id="{EC13F491-59AB-1A5B-6890-AC460D180D80}"/>
+                <a16:creationId xmlns:a16="http://schemas.microsoft.com/office/drawing/2014/main" id="{0BE4A170-F5EC-7933-B79C-7B8B9150B144}"/>
               </a:ext>
             </a:extLst>
           </p:cNvPr>
@@ -2902,7 +2902,7 @@
             </a:lvl1pPr>
           </a:lstStyle>
           <a:p>
-            <a:fld id="{8B074686-4C06-47C2-9DC2-AD047C3A09D0}" type="datetimeFigureOut">
+            <a:fld id="{DFB6D37D-8275-4044-A87F-9FFEE47538F7}" type="datetimeFigureOut">
               <a:rPr lang="zh-CN" altLang="en-US" smtClean="0"/>
               <a:t>2024/3/10</a:t>
             </a:fld>
@@ -2915,7 +2915,7 @@
           <p:cNvPr id="5" name="页脚占位符 4">
             <a:extLst>
               <a:ext uri="{FF2B5EF4-FFF2-40B4-BE49-F238E27FC236}">
-                <a16:creationId xmlns:a16="http://schemas.microsoft.com/office/drawing/2014/main" id="{AF6827A3-DE23-6AA7-EE10-ED4C3CB44500}"/>
+                <a16:creationId xmlns:a16="http://schemas.microsoft.com/office/drawing/2014/main" id="{79E0D4B4-3ECA-3BFB-1959-A01BEEBE6729}"/>
               </a:ext>
             </a:extLst>
           </p:cNvPr>
@@ -2958,7 +2958,7 @@
           <p:cNvPr id="6" name="灯片编号占位符 5">
             <a:extLst>
               <a:ext uri="{FF2B5EF4-FFF2-40B4-BE49-F238E27FC236}">
-                <a16:creationId xmlns:a16="http://schemas.microsoft.com/office/drawing/2014/main" id="{21DF0954-110A-9E7C-2443-E6D5DA9ABD3A}"/>
+                <a16:creationId xmlns:a16="http://schemas.microsoft.com/office/drawing/2014/main" id="{2B2D2E88-00F5-C0E9-3883-9A40D8311251}"/>
               </a:ext>
             </a:extLst>
           </p:cNvPr>
@@ -2992,7 +2992,7 @@
             </a:lvl1pPr>
           </a:lstStyle>
           <a:p>
-            <a:fld id="{4DD872D3-0CC6-4BB1-B879-FCA811FD2277}" type="slidenum">
+            <a:fld id="{43BAAD1B-6B1D-45CF-B7AB-1516C7021F1C}" type="slidenum">
               <a:rPr lang="zh-CN" altLang="en-US" smtClean="0"/>
               <a:t>‹#›</a:t>
             </a:fld>
@@ -3003,7 +3003,7 @@
     </p:spTree>
     <p:extLst>
       <p:ext uri="{BB962C8B-B14F-4D97-AF65-F5344CB8AC3E}">
-        <p14:creationId xmlns:p14="http://schemas.microsoft.com/office/powerpoint/2010/main" val="3554968485"/>
+        <p14:creationId xmlns:p14="http://schemas.microsoft.com/office/powerpoint/2010/main" val="1530527625"/>
       </p:ext>
     </p:extLst>
   </p:cSld>
